--- a/study/프로토타입/스마트커뮤니티 - 기초데이터수집.pptx
+++ b/study/프로토타입/스마트커뮤니티 - 기초데이터수집.pptx
@@ -15334,6 +15334,13 @@
   <p:clrMapOvr>
     <a:masterClrMapping/>
   </p:clrMapOvr>
+  <p:timing>
+    <p:tnLst>
+      <p:par>
+        <p:cTn id="1" dur="indefinite" restart="never" nodeType="tmRoot"/>
+      </p:par>
+    </p:tnLst>
+  </p:timing>
 </p:sld>
 </file>
 
@@ -16774,7 +16781,23 @@
                   <a:schemeClr val="bg1"/>
                 </a:solidFill>
               </a:rPr>
-              <a:t>취준생에게 직업능력향상 계획을 수립할 수 있는 현실적이면서도 효과적인 전략 제공을 제공하고자 함</a:t>
+              <a:t>취준생에게 직업능력향상 계획을 수립할 수 있는 현실적이면서도 효과적인 </a:t>
+            </a:r>
+            <a:r>
+              <a:rPr lang="ko-KR" altLang="en-US" smtClean="0">
+                <a:solidFill>
+                  <a:schemeClr val="bg1"/>
+                </a:solidFill>
+              </a:rPr>
+              <a:t>전략을 </a:t>
+            </a:r>
+            <a:r>
+              <a:rPr lang="ko-KR" altLang="en-US">
+                <a:solidFill>
+                  <a:schemeClr val="bg1"/>
+                </a:solidFill>
+              </a:rPr>
+              <a:t>제공하고자 함</a:t>
             </a:r>
             <a:endParaRPr lang="en-US" altLang="ko-KR">
               <a:solidFill>
